--- a/docs/AngularJS ja Gulp - 20140221.pptx
+++ b/docs/AngularJS ja Gulp - 20140221.pptx
@@ -2905,7 +2905,11 @@
           <a:p>
             <a:r>
               <a:rPr lang="fi-FI" dirty="0" smtClean="0"/>
-              <a:t>AngularJS ja Gulp</a:t>
+              <a:t>MVC-arkkitehtuuri, AngularJS </a:t>
+            </a:r>
+            <a:r>
+              <a:rPr lang="fi-FI" dirty="0" smtClean="0"/>
+              <a:t>ja Gulp</a:t>
             </a:r>
             <a:endParaRPr lang="fi-FI" dirty="0"/>
           </a:p>
@@ -2934,6 +2938,70 @@
           </a:p>
         </p:txBody>
       </p:sp>
+      <p:pic>
+        <p:nvPicPr>
+          <p:cNvPr id="1026" name="Picture 2"/>
+          <p:cNvPicPr>
+            <a:picLocks noChangeAspect="1" noChangeArrowheads="1"/>
+          </p:cNvPicPr>
+          <p:nvPr/>
+        </p:nvPicPr>
+        <p:blipFill>
+          <a:blip r:embed="rId2">
+            <a:extLst>
+              <a:ext uri="{28A0092B-C50C-407E-A947-70E740481C1C}">
+                <a14:useLocalDpi xmlns:a14="http://schemas.microsoft.com/office/drawing/2010/main" val="0"/>
+              </a:ext>
+            </a:extLst>
+          </a:blip>
+          <a:srcRect/>
+          <a:stretch>
+            <a:fillRect/>
+          </a:stretch>
+        </p:blipFill>
+        <p:spPr bwMode="auto">
+          <a:xfrm>
+            <a:off x="2267744" y="670"/>
+            <a:ext cx="4832399" cy="2732141"/>
+          </a:xfrm>
+          <a:prstGeom prst="rect">
+            <a:avLst/>
+          </a:prstGeom>
+          <a:noFill/>
+          <a:ln>
+            <a:noFill/>
+          </a:ln>
+          <a:effectLst/>
+          <a:extLst>
+            <a:ext uri="{909E8E84-426E-40DD-AFC4-6F175D3DCCD1}">
+              <a14:hiddenFill xmlns:a14="http://schemas.microsoft.com/office/drawing/2010/main">
+                <a:solidFill>
+                  <a:schemeClr val="accent1"/>
+                </a:solidFill>
+              </a14:hiddenFill>
+            </a:ext>
+            <a:ext uri="{91240B29-F687-4F45-9708-019B960494DF}">
+              <a14:hiddenLine xmlns:a14="http://schemas.microsoft.com/office/drawing/2010/main" w="9525">
+                <a:solidFill>
+                  <a:schemeClr val="tx1"/>
+                </a:solidFill>
+                <a:miter lim="800000"/>
+                <a:headEnd/>
+                <a:tailEnd/>
+              </a14:hiddenLine>
+            </a:ext>
+            <a:ext uri="{AF507438-7753-43E0-B8FC-AC1667EBCBE1}">
+              <a14:hiddenEffects xmlns:a14="http://schemas.microsoft.com/office/drawing/2010/main">
+                <a:effectLst>
+                  <a:outerShdw dist="35921" dir="2700000" algn="ctr" rotWithShape="0">
+                    <a:schemeClr val="bg2"/>
+                  </a:outerShdw>
+                </a:effectLst>
+              </a14:hiddenEffects>
+            </a:ext>
+          </a:extLst>
+        </p:spPr>
+      </p:pic>
     </p:spTree>
     <p:extLst>
       <p:ext uri="{BB962C8B-B14F-4D97-AF65-F5344CB8AC3E}">
@@ -6187,7 +6255,6 @@
               <a:rPr lang="fi-FI" dirty="0" smtClean="0"/>
               <a:t>MVC-malli</a:t>
             </a:r>
-            <a:endParaRPr lang="fi-FI" dirty="0" smtClean="0"/>
           </a:p>
           <a:p>
             <a:pPr marL="514350" indent="-514350">
@@ -6208,7 +6275,6 @@
               <a:rPr lang="fi-FI" dirty="0" smtClean="0"/>
               <a:t>AngularJS + Gulp hands-on</a:t>
             </a:r>
-            <a:endParaRPr lang="fi-FI" dirty="0" smtClean="0"/>
           </a:p>
         </p:txBody>
       </p:sp>
@@ -9031,21 +9097,6 @@
 </file>
 
 <file path=customXml/item1.xml><?xml version="1.0" encoding="utf-8"?>
-<?mso-contentType ?>
-<FormTemplates xmlns="http://schemas.microsoft.com/sharepoint/v3/contenttype/forms">
-  <Display>DocumentLibraryForm</Display>
-  <Edit>DocumentLibraryForm</Edit>
-  <New>DocumentLibraryForm</New>
-</FormTemplates>
-</file>
-
-<file path=customXml/item2.xml><?xml version="1.0" encoding="utf-8"?>
-<p:properties xmlns:p="http://schemas.microsoft.com/office/2006/metadata/properties" xmlns:xsi="http://www.w3.org/2001/XMLSchema-instance" xmlns:pc="http://schemas.microsoft.com/office/infopath/2007/PartnerControls">
-  <documentManagement/>
-</p:properties>
-</file>
-
-<file path=customXml/item3.xml><?xml version="1.0" encoding="utf-8"?>
 <ct:contentTypeSchema xmlns:ct="http://schemas.microsoft.com/office/2006/metadata/contentType" xmlns:ma="http://schemas.microsoft.com/office/2006/metadata/properties/metaAttributes" ct:_="" ma:_="" ma:contentTypeName="Asiakirja" ma:contentTypeID="0x0101008E0AD0AEFBDEF34DBC1718472F13A6A8" ma:contentTypeVersion="0" ma:contentTypeDescription="Luo uusi asiakirja." ma:contentTypeScope="" ma:versionID="ee3aa26dcd2077ff392eab8cc713ebb4">
   <xsd:schema xmlns:xsd="http://www.w3.org/2001/XMLSchema" xmlns:xs="http://www.w3.org/2001/XMLSchema" xmlns:p="http://schemas.microsoft.com/office/2006/metadata/properties" targetNamespace="http://schemas.microsoft.com/office/2006/metadata/properties" ma:root="true" ma:fieldsID="7e0100cabb18a25d4bc9820569b44ec4">
     <xsd:element name="properties">
@@ -9159,10 +9210,33 @@
 </ct:contentTypeSchema>
 </file>
 
+<file path=customXml/item2.xml><?xml version="1.0" encoding="utf-8"?>
+<p:properties xmlns:p="http://schemas.microsoft.com/office/2006/metadata/properties" xmlns:xsi="http://www.w3.org/2001/XMLSchema-instance" xmlns:pc="http://schemas.microsoft.com/office/infopath/2007/PartnerControls">
+  <documentManagement/>
+</p:properties>
+</file>
+
+<file path=customXml/item3.xml><?xml version="1.0" encoding="utf-8"?>
+<?mso-contentType ?>
+<FormTemplates xmlns="http://schemas.microsoft.com/sharepoint/v3/contenttype/forms">
+  <Display>DocumentLibraryForm</Display>
+  <Edit>DocumentLibraryForm</Edit>
+  <New>DocumentLibraryForm</New>
+</FormTemplates>
+</file>
+
 <file path=customXml/itemProps1.xml><?xml version="1.0" encoding="utf-8"?>
-<ds:datastoreItem xmlns:ds="http://schemas.openxmlformats.org/officeDocument/2006/customXml" ds:itemID="{11060E52-1823-491F-8A95-827BBDCEAC7D}">
+<ds:datastoreItem xmlns:ds="http://schemas.openxmlformats.org/officeDocument/2006/customXml" ds:itemID="{D3878B5B-1956-41FD-A3CF-1DF736D49C3A}">
   <ds:schemaRefs>
-    <ds:schemaRef ds:uri="http://schemas.microsoft.com/sharepoint/v3/contenttype/forms"/>
+    <ds:schemaRef ds:uri="http://schemas.microsoft.com/office/2006/metadata/contentType"/>
+    <ds:schemaRef ds:uri="http://schemas.microsoft.com/office/2006/metadata/properties/metaAttributes"/>
+    <ds:schemaRef ds:uri="http://www.w3.org/2001/XMLSchema"/>
+    <ds:schemaRef ds:uri="http://schemas.microsoft.com/office/2006/metadata/properties"/>
+    <ds:schemaRef ds:uri="http://schemas.openxmlformats.org/package/2006/metadata/core-properties"/>
+    <ds:schemaRef ds:uri="http://purl.org/dc/elements/1.1/"/>
+    <ds:schemaRef ds:uri="http://purl.org/dc/terms/"/>
+    <ds:schemaRef ds:uri="http://schemas.microsoft.com/internal/obd"/>
+    <ds:schemaRef ds:uri="http://schemas.microsoft.com/office/infopath/2007/PartnerControls"/>
   </ds:schemaRefs>
 </ds:datastoreItem>
 </file>
@@ -9183,17 +9257,9 @@
 </file>
 
 <file path=customXml/itemProps3.xml><?xml version="1.0" encoding="utf-8"?>
-<ds:datastoreItem xmlns:ds="http://schemas.openxmlformats.org/officeDocument/2006/customXml" ds:itemID="{D3878B5B-1956-41FD-A3CF-1DF736D49C3A}">
+<ds:datastoreItem xmlns:ds="http://schemas.openxmlformats.org/officeDocument/2006/customXml" ds:itemID="{11060E52-1823-491F-8A95-827BBDCEAC7D}">
   <ds:schemaRefs>
-    <ds:schemaRef ds:uri="http://schemas.microsoft.com/office/2006/metadata/contentType"/>
-    <ds:schemaRef ds:uri="http://schemas.microsoft.com/office/2006/metadata/properties/metaAttributes"/>
-    <ds:schemaRef ds:uri="http://www.w3.org/2001/XMLSchema"/>
-    <ds:schemaRef ds:uri="http://schemas.microsoft.com/office/2006/metadata/properties"/>
-    <ds:schemaRef ds:uri="http://schemas.openxmlformats.org/package/2006/metadata/core-properties"/>
-    <ds:schemaRef ds:uri="http://purl.org/dc/elements/1.1/"/>
-    <ds:schemaRef ds:uri="http://purl.org/dc/terms/"/>
-    <ds:schemaRef ds:uri="http://schemas.microsoft.com/internal/obd"/>
-    <ds:schemaRef ds:uri="http://schemas.microsoft.com/office/infopath/2007/PartnerControls"/>
+    <ds:schemaRef ds:uri="http://schemas.microsoft.com/sharepoint/v3/contenttype/forms"/>
   </ds:schemaRefs>
 </ds:datastoreItem>
 </file>